--- a/Projects/Project 13 - Неоптимальные тарифы/Call-центр.pptx
+++ b/Projects/Project 13 - Неоптимальные тарифы/Call-центр.pptx
@@ -2518,7 +2518,7 @@
           <a:graphicData uri="http://schemas.openxmlformats.org/drawingml/2006/table">
             <a:tbl>
               <a:tblPr firstRow="1" firstCol="0" lastRow="0" lastCol="0" bandRow="1" bandCol="0">
-                <a:tableStyleId>{4711D1B3-5FCC-1DA1-C1EB-3344D265F932}</a:tableStyleId>
+                <a:tableStyleId>{1DEA64A3-C570-4A8A-9913-474CDBF61880}</a:tableStyleId>
               </a:tblPr>
               <a:tblGrid>
                 <a:gridCol w="3935016"/>
@@ -3781,7 +3781,7 @@
         <p:spPr bwMode="auto">
           <a:xfrm>
             <a:off x="432400" y="1049310"/>
-            <a:ext cx="10920701" cy="835719"/>
+            <a:ext cx="10920701" cy="835718"/>
           </a:xfrm>
           <a:prstGeom prst="rect">
             <a:avLst/>
@@ -4062,9 +4062,59 @@
           </a:p>
         </p:txBody>
       </p:sp>
+      <p:sp>
+        <p:nvSpPr>
+          <p:cNvPr id="1395773173" name="" hidden="0"/>
+          <p:cNvSpPr/>
+          <p:nvPr isPhoto="0" userDrawn="0"/>
+        </p:nvSpPr>
+        <p:spPr bwMode="auto">
+          <a:xfrm flipH="0" flipV="0">
+            <a:off x="12191999" y="6351170"/>
+            <a:ext cx="191467" cy="365795"/>
+          </a:xfrm>
+        </p:spPr>
+        <p:txBody>
+          <a:bodyPr rot="0" spcFirstLastPara="0" vertOverflow="overflow" horzOverflow="clip" vert="horz" wrap="square" lIns="91440" tIns="45720" rIns="91440" bIns="45720" numCol="1" spcCol="0" rtlCol="0" fromWordArt="0" anchor="t" anchorCtr="0" forceAA="0" upright="0" compatLnSpc="1">
+            <a:prstTxWarp prst="textNoShape"/>
+            <a:spAutoFit/>
+          </a:bodyPr>
+          <a:p>
+            <a:pPr>
+              <a:defRPr/>
+            </a:pPr>
+            <a:endParaRPr/>
+          </a:p>
+        </p:txBody>
+      </p:sp>
+      <p:sp>
+        <p:nvSpPr>
+          <p:cNvPr id="1818490437" name="" hidden="0"/>
+          <p:cNvSpPr/>
+          <p:nvPr isPhoto="0" userDrawn="0"/>
+        </p:nvSpPr>
+        <p:spPr bwMode="auto">
+          <a:xfrm flipH="0" flipV="0">
+            <a:off x="6096017" y="5748828"/>
+            <a:ext cx="74799" cy="365795"/>
+          </a:xfrm>
+        </p:spPr>
+        <p:txBody>
+          <a:bodyPr rot="0" spcFirstLastPara="0" vertOverflow="overflow" horzOverflow="clip" vert="horz" wrap="square" lIns="91440" tIns="45720" rIns="91440" bIns="45720" numCol="1" spcCol="0" rtlCol="0" fromWordArt="0" anchor="t" anchorCtr="0" forceAA="0" upright="0" compatLnSpc="1">
+            <a:prstTxWarp prst="textNoShape"/>
+            <a:spAutoFit/>
+          </a:bodyPr>
+          <a:p>
+            <a:pPr>
+              <a:defRPr/>
+            </a:pPr>
+            <a:endParaRPr/>
+          </a:p>
+        </p:txBody>
+      </p:sp>
       <p:pic>
         <p:nvPicPr>
-          <p:cNvPr id="1035252866" name="" hidden="0"/>
+          <p:cNvPr id="1221861205" name="" hidden="0"/>
           <p:cNvPicPr>
             <a:picLocks noChangeAspect="1"/>
           </p:cNvPicPr>
@@ -4076,8 +4126,8 @@
         </p:blipFill>
         <p:spPr bwMode="auto">
           <a:xfrm flipH="0" flipV="0">
-            <a:off x="298875" y="3060946"/>
-            <a:ext cx="5669683" cy="3549528"/>
+            <a:off x="127458" y="3130495"/>
+            <a:ext cx="6319046" cy="3297416"/>
           </a:xfrm>
           <a:prstGeom prst="rect">
             <a:avLst/>
@@ -4086,14 +4136,14 @@
       </p:pic>
       <p:sp>
         <p:nvSpPr>
-          <p:cNvPr id="1395773173" name="" hidden="0"/>
+          <p:cNvPr id="1880242707" name="" hidden="0"/>
           <p:cNvSpPr/>
           <p:nvPr isPhoto="0" userDrawn="0"/>
         </p:nvSpPr>
         <p:spPr bwMode="auto">
           <a:xfrm flipH="0" flipV="0">
-            <a:off x="12191999" y="6351170"/>
-            <a:ext cx="191467" cy="365795"/>
+            <a:off x="6912006" y="6029326"/>
+            <a:ext cx="133273" cy="365795"/>
           </a:xfrm>
         </p:spPr>
         <p:txBody>
@@ -4111,7 +4161,7 @@
       </p:sp>
       <p:pic>
         <p:nvPicPr>
-          <p:cNvPr id="1367762216" name="" hidden="0"/>
+          <p:cNvPr id="362127202" name="" hidden="0"/>
           <p:cNvPicPr>
             <a:picLocks noChangeAspect="1"/>
           </p:cNvPicPr>
@@ -4123,8 +4173,8 @@
         </p:blipFill>
         <p:spPr bwMode="auto">
           <a:xfrm flipH="0" flipV="0">
-            <a:off x="6223439" y="3060946"/>
-            <a:ext cx="5475686" cy="3549528"/>
+            <a:off x="6446504" y="3054087"/>
+            <a:ext cx="5515755" cy="3373824"/>
           </a:xfrm>
           <a:prstGeom prst="rect">
             <a:avLst/>
@@ -4231,8 +4281,8 @@
         </p:nvSpPr>
         <p:spPr bwMode="auto">
           <a:xfrm>
-            <a:off x="432400" y="298167"/>
-            <a:ext cx="9900370" cy="274355"/>
+            <a:off x="432399" y="298166"/>
+            <a:ext cx="9901089" cy="274355"/>
           </a:xfrm>
           <a:prstGeom prst="rect">
             <a:avLst/>
@@ -4264,7 +4314,7 @@
                   <a:schemeClr val="bg1"/>
                 </a:solidFill>
               </a:rPr>
-              <a:t>Рекомендации клиентам по изменению тарифного плана</a:t>
+              <a:t>Клиентская база:</a:t>
             </a:r>
             <a:endParaRPr lang="ru-RU" sz="2400" b="0" i="0" u="none" strike="noStrike" cap="none" spc="-76">
               <a:ln>
@@ -4318,16 +4368,16 @@
           <p:nvPr isPhoto="0" userDrawn="0"/>
         </p:nvSpPr>
         <p:spPr bwMode="auto">
-          <a:xfrm>
-            <a:off x="432400" y="1049310"/>
-            <a:ext cx="10919657" cy="1110039"/>
+          <a:xfrm flipH="0" flipV="0">
+            <a:off x="432399" y="1049310"/>
+            <a:ext cx="4950688" cy="3304599"/>
           </a:xfrm>
           <a:prstGeom prst="rect">
             <a:avLst/>
           </a:prstGeom>
         </p:spPr>
         <p:txBody>
-          <a:bodyPr vert="horz" wrap="square" lIns="0" tIns="12724" rIns="0" bIns="0" rtlCol="0">
+          <a:bodyPr vert="horz" wrap="square" lIns="0" tIns="12723" rIns="0" bIns="0" rtlCol="0">
             <a:spAutoFit/>
           </a:bodyPr>
           <a:lstStyle/>
@@ -4336,32 +4386,483 @@
               <a:defRPr/>
             </a:pPr>
             <a:r>
-              <a:rPr b="1"/>
-              <a:t>Исследования показали:</a:t>
-            </a:r>
-            <a:endParaRPr b="1"/>
-          </a:p>
-          <a:p>
-            <a:pPr marL="283879" indent="-283879">
-              <a:buAutoNum type="arabicPeriod"/>
-              <a:defRPr/>
-            </a:pPr>
-            <a:r>
-              <a:rPr b="0"/>
-              <a:t>для увеличения лояльности клиентов, можно порекомендовать изменить тариф 511 клиентам из 516;</a:t>
-            </a:r>
-            <a:endParaRPr b="0"/>
-          </a:p>
-          <a:p>
-            <a:pPr marL="283879" indent="-283879">
-              <a:buAutoNum type="arabicPeriod"/>
-              <a:defRPr/>
-            </a:pPr>
-            <a:r>
-              <a:rPr b="0"/>
-              <a:t>список рекомендованных изменений передан в коммерческий департамент;</a:t>
-            </a:r>
-            <a:endParaRPr b="0"/>
+              <a:rPr sz="1200" b="0" i="0" u="none">
+                <a:solidFill>
+                  <a:srgbClr val="080808"/>
+                </a:solidFill>
+                <a:latin typeface="Arial"/>
+                <a:ea typeface="Arial"/>
+                <a:cs typeface="Arial"/>
+              </a:rPr>
+              <a:t>Всего клиентов: 516</a:t>
+            </a:r>
+            <a:br>
+              <a:rPr sz="1200" b="0" i="0" u="none">
+                <a:solidFill>
+                  <a:srgbClr val="080808"/>
+                </a:solidFill>
+                <a:latin typeface="Arial"/>
+                <a:ea typeface="Arial"/>
+                <a:cs typeface="Arial"/>
+              </a:rPr>
+            </a:br>
+            <a:r>
+              <a:rPr sz="1200" b="0" i="0" u="none">
+                <a:solidFill>
+                  <a:srgbClr val="080808"/>
+                </a:solidFill>
+                <a:latin typeface="Arial"/>
+                <a:ea typeface="Arial"/>
+                <a:cs typeface="Arial"/>
+              </a:rPr>
+              <a:t>  </a:t>
+            </a:r>
+            <a:r>
+              <a:rPr sz="1200" b="0" i="0" u="none">
+                <a:solidFill>
+                  <a:srgbClr val="0033B3"/>
+                </a:solidFill>
+                <a:latin typeface="Arial"/>
+                <a:ea typeface="Arial"/>
+                <a:cs typeface="Arial"/>
+              </a:rPr>
+              <a:t>  - </a:t>
+            </a:r>
+            <a:r>
+              <a:rPr sz="1200" b="0" i="0" u="none">
+                <a:solidFill>
+                  <a:srgbClr val="080808"/>
+                </a:solidFill>
+                <a:latin typeface="Arial"/>
+                <a:ea typeface="Arial"/>
+                <a:cs typeface="Arial"/>
+              </a:rPr>
+              <a:t>Тариф А: 65</a:t>
+            </a:r>
+            <a:br>
+              <a:rPr sz="1200" b="0" i="0" u="none">
+                <a:solidFill>
+                  <a:srgbClr val="080808"/>
+                </a:solidFill>
+                <a:latin typeface="Arial"/>
+                <a:ea typeface="Arial"/>
+                <a:cs typeface="Arial"/>
+              </a:rPr>
+            </a:br>
+            <a:r>
+              <a:rPr sz="1200" b="0" i="0" u="none">
+                <a:solidFill>
+                  <a:srgbClr val="080808"/>
+                </a:solidFill>
+                <a:latin typeface="Arial"/>
+                <a:ea typeface="Arial"/>
+                <a:cs typeface="Arial"/>
+              </a:rPr>
+              <a:t>  </a:t>
+            </a:r>
+            <a:r>
+              <a:rPr sz="1200" b="0" i="0" u="none">
+                <a:solidFill>
+                  <a:srgbClr val="0033B3"/>
+                </a:solidFill>
+                <a:latin typeface="Arial"/>
+                <a:ea typeface="Arial"/>
+                <a:cs typeface="Arial"/>
+              </a:rPr>
+              <a:t>  - </a:t>
+            </a:r>
+            <a:r>
+              <a:rPr sz="1200" b="0" i="0" u="none">
+                <a:solidFill>
+                  <a:srgbClr val="080808"/>
+                </a:solidFill>
+                <a:latin typeface="Arial"/>
+                <a:ea typeface="Arial"/>
+                <a:cs typeface="Arial"/>
+              </a:rPr>
+              <a:t>Тариф B: 212</a:t>
+            </a:r>
+            <a:br>
+              <a:rPr sz="1200" b="0" i="0" u="none">
+                <a:solidFill>
+                  <a:srgbClr val="080808"/>
+                </a:solidFill>
+                <a:latin typeface="Arial"/>
+                <a:ea typeface="Arial"/>
+                <a:cs typeface="Arial"/>
+              </a:rPr>
+            </a:br>
+            <a:r>
+              <a:rPr sz="1200" b="0" i="0" u="none">
+                <a:solidFill>
+                  <a:srgbClr val="080808"/>
+                </a:solidFill>
+                <a:latin typeface="Arial"/>
+                <a:ea typeface="Arial"/>
+                <a:cs typeface="Arial"/>
+              </a:rPr>
+              <a:t>  </a:t>
+            </a:r>
+            <a:r>
+              <a:rPr sz="1200" b="0" i="0" u="none">
+                <a:solidFill>
+                  <a:srgbClr val="0033B3"/>
+                </a:solidFill>
+                <a:latin typeface="Arial"/>
+                <a:ea typeface="Arial"/>
+                <a:cs typeface="Arial"/>
+              </a:rPr>
+              <a:t>  - </a:t>
+            </a:r>
+            <a:r>
+              <a:rPr sz="1200" b="0" i="0" u="none">
+                <a:solidFill>
+                  <a:srgbClr val="080808"/>
+                </a:solidFill>
+                <a:latin typeface="Arial"/>
+                <a:ea typeface="Arial"/>
+                <a:cs typeface="Arial"/>
+              </a:rPr>
+              <a:t>Тариф С: 239</a:t>
+            </a:r>
+            <a:endParaRPr sz="1200" b="0" i="0" u="none">
+              <a:solidFill>
+                <a:srgbClr val="080808"/>
+              </a:solidFill>
+              <a:latin typeface="Arial"/>
+              <a:ea typeface="Arial"/>
+              <a:cs typeface="Arial"/>
+            </a:endParaRPr>
+          </a:p>
+          <a:p>
+            <a:pPr>
+              <a:defRPr/>
+            </a:pPr>
+            <a:endParaRPr/>
+          </a:p>
+          <a:p>
+            <a:pPr>
+              <a:defRPr/>
+            </a:pPr>
+            <a:r>
+              <a:rPr sz="1200" b="0" i="0" u="none">
+                <a:solidFill>
+                  <a:srgbClr val="080808"/>
+                </a:solidFill>
+                <a:latin typeface="Arial"/>
+                <a:ea typeface="Arial"/>
+                <a:cs typeface="Arial"/>
+              </a:rPr>
+              <a:t>Из них переплачивают: ~4.84%:</a:t>
+            </a:r>
+            <a:br>
+              <a:rPr sz="1200" b="0" i="0" u="none">
+                <a:solidFill>
+                  <a:srgbClr val="080808"/>
+                </a:solidFill>
+                <a:latin typeface="Arial"/>
+                <a:ea typeface="Arial"/>
+                <a:cs typeface="Arial"/>
+              </a:rPr>
+            </a:br>
+            <a:r>
+              <a:rPr sz="1200" b="0" i="0" u="none">
+                <a:solidFill>
+                  <a:srgbClr val="080808"/>
+                </a:solidFill>
+                <a:latin typeface="Arial"/>
+                <a:ea typeface="Arial"/>
+                <a:cs typeface="Arial"/>
+              </a:rPr>
+              <a:t>  </a:t>
+            </a:r>
+            <a:r>
+              <a:rPr sz="1200" b="0" i="0" u="none">
+                <a:solidFill>
+                  <a:srgbClr val="0033B3"/>
+                </a:solidFill>
+                <a:latin typeface="Arial"/>
+                <a:ea typeface="Arial"/>
+                <a:cs typeface="Arial"/>
+              </a:rPr>
+              <a:t>  - </a:t>
+            </a:r>
+            <a:r>
+              <a:rPr sz="1200" b="0" i="0" u="none">
+                <a:solidFill>
+                  <a:srgbClr val="080808"/>
+                </a:solidFill>
+                <a:latin typeface="Arial"/>
+                <a:ea typeface="Arial"/>
+                <a:cs typeface="Arial"/>
+              </a:rPr>
+              <a:t>доля переплачивающих клиентов тарифа «А»: 2.33%</a:t>
+            </a:r>
+            <a:br>
+              <a:rPr sz="1200" b="0" i="0" u="none">
+                <a:solidFill>
+                  <a:srgbClr val="080808"/>
+                </a:solidFill>
+                <a:latin typeface="Arial"/>
+                <a:ea typeface="Arial"/>
+                <a:cs typeface="Arial"/>
+              </a:rPr>
+            </a:br>
+            <a:r>
+              <a:rPr sz="1200" b="0" i="0" u="none">
+                <a:solidFill>
+                  <a:srgbClr val="080808"/>
+                </a:solidFill>
+                <a:latin typeface="Arial"/>
+                <a:ea typeface="Arial"/>
+                <a:cs typeface="Arial"/>
+              </a:rPr>
+              <a:t>  </a:t>
+            </a:r>
+            <a:r>
+              <a:rPr sz="1200" b="0" i="0" u="none">
+                <a:solidFill>
+                  <a:srgbClr val="0033B3"/>
+                </a:solidFill>
+                <a:latin typeface="Arial"/>
+                <a:ea typeface="Arial"/>
+                <a:cs typeface="Arial"/>
+              </a:rPr>
+              <a:t>  - </a:t>
+            </a:r>
+            <a:r>
+              <a:rPr sz="1200" b="0" i="0" u="none">
+                <a:solidFill>
+                  <a:srgbClr val="080808"/>
+                </a:solidFill>
+                <a:latin typeface="Arial"/>
+                <a:ea typeface="Arial"/>
+                <a:cs typeface="Arial"/>
+              </a:rPr>
+              <a:t>доля переплачивающих клиентов тарифа «B»: 2.33%</a:t>
+            </a:r>
+            <a:br>
+              <a:rPr sz="1200" b="0" i="0" u="none">
+                <a:solidFill>
+                  <a:srgbClr val="080808"/>
+                </a:solidFill>
+                <a:latin typeface="Arial"/>
+                <a:ea typeface="Arial"/>
+                <a:cs typeface="Arial"/>
+              </a:rPr>
+            </a:br>
+            <a:r>
+              <a:rPr sz="1200" b="0" i="0" u="none">
+                <a:solidFill>
+                  <a:srgbClr val="080808"/>
+                </a:solidFill>
+                <a:latin typeface="Arial"/>
+                <a:ea typeface="Arial"/>
+                <a:cs typeface="Arial"/>
+              </a:rPr>
+              <a:t>  </a:t>
+            </a:r>
+            <a:r>
+              <a:rPr sz="1200" b="0" i="0" u="none">
+                <a:solidFill>
+                  <a:srgbClr val="0033B3"/>
+                </a:solidFill>
+                <a:latin typeface="Arial"/>
+                <a:ea typeface="Arial"/>
+                <a:cs typeface="Arial"/>
+              </a:rPr>
+              <a:t>  - </a:t>
+            </a:r>
+            <a:r>
+              <a:rPr sz="1200" b="0" i="0" u="none">
+                <a:solidFill>
+                  <a:srgbClr val="080808"/>
+                </a:solidFill>
+                <a:latin typeface="Arial"/>
+                <a:ea typeface="Arial"/>
+                <a:cs typeface="Arial"/>
+              </a:rPr>
+              <a:t>доля переплачивающих клиентов тарифа «C»: 0.19%</a:t>
+            </a:r>
+            <a:endParaRPr sz="1200" b="0" i="0" u="none">
+              <a:solidFill>
+                <a:srgbClr val="080808"/>
+              </a:solidFill>
+              <a:latin typeface="Arial"/>
+              <a:ea typeface="Arial"/>
+              <a:cs typeface="Arial"/>
+            </a:endParaRPr>
+          </a:p>
+          <a:p>
+            <a:pPr>
+              <a:defRPr/>
+            </a:pPr>
+            <a:endParaRPr/>
+          </a:p>
+          <a:p>
+            <a:pPr>
+              <a:defRPr/>
+            </a:pPr>
+            <a:r>
+              <a:rPr sz="1200" b="0" i="0" u="none">
+                <a:solidFill>
+                  <a:srgbClr val="080808"/>
+                </a:solidFill>
+                <a:latin typeface="Arial"/>
+                <a:ea typeface="Arial"/>
+                <a:cs typeface="Arial"/>
+              </a:rPr>
+              <a:t>Количественный состав рекомендуемых смен тарифа:</a:t>
+            </a:r>
+            <a:br>
+              <a:rPr sz="1200" b="0" i="0" u="none">
+                <a:solidFill>
+                  <a:srgbClr val="080808"/>
+                </a:solidFill>
+                <a:latin typeface="Arial"/>
+                <a:ea typeface="Arial"/>
+                <a:cs typeface="Arial"/>
+              </a:rPr>
+            </a:br>
+            <a:r>
+              <a:rPr sz="1200" b="0" i="0" u="none">
+                <a:solidFill>
+                  <a:srgbClr val="080808"/>
+                </a:solidFill>
+                <a:latin typeface="Arial"/>
+                <a:ea typeface="Arial"/>
+                <a:cs typeface="Arial"/>
+              </a:rPr>
+              <a:t>  </a:t>
+            </a:r>
+            <a:r>
+              <a:rPr sz="1200" b="0" i="0" u="none">
+                <a:solidFill>
+                  <a:srgbClr val="0033B3"/>
+                </a:solidFill>
+                <a:latin typeface="Arial"/>
+                <a:ea typeface="Arial"/>
+                <a:cs typeface="Arial"/>
+              </a:rPr>
+              <a:t>  - </a:t>
+            </a:r>
+            <a:r>
+              <a:rPr sz="1200" b="0" i="0" u="none">
+                <a:solidFill>
+                  <a:srgbClr val="080808"/>
+                </a:solidFill>
+                <a:latin typeface="Arial"/>
+                <a:ea typeface="Arial"/>
+                <a:cs typeface="Arial"/>
+              </a:rPr>
+              <a:t>количество рекомендуемых переходов с тарифа «А» на «B»: 12</a:t>
+            </a:r>
+            <a:br>
+              <a:rPr sz="1200" b="0" i="0" u="none">
+                <a:solidFill>
+                  <a:srgbClr val="080808"/>
+                </a:solidFill>
+                <a:latin typeface="Arial"/>
+                <a:ea typeface="Arial"/>
+                <a:cs typeface="Arial"/>
+              </a:rPr>
+            </a:br>
+            <a:r>
+              <a:rPr sz="1200" b="0" i="0" u="none">
+                <a:solidFill>
+                  <a:srgbClr val="080808"/>
+                </a:solidFill>
+                <a:latin typeface="Arial"/>
+                <a:ea typeface="Arial"/>
+                <a:cs typeface="Arial"/>
+              </a:rPr>
+              <a:t>  </a:t>
+            </a:r>
+            <a:r>
+              <a:rPr sz="1200" b="0" i="0" u="none">
+                <a:solidFill>
+                  <a:srgbClr val="0033B3"/>
+                </a:solidFill>
+                <a:latin typeface="Arial"/>
+                <a:ea typeface="Arial"/>
+                <a:cs typeface="Arial"/>
+              </a:rPr>
+              <a:t>  - </a:t>
+            </a:r>
+            <a:r>
+              <a:rPr sz="1200" b="0" i="0" u="none">
+                <a:solidFill>
+                  <a:srgbClr val="080808"/>
+                </a:solidFill>
+                <a:latin typeface="Arial"/>
+                <a:ea typeface="Arial"/>
+                <a:cs typeface="Arial"/>
+              </a:rPr>
+              <a:t>количество рекомендуемых переходов с тарифа «B» на «C»: 12</a:t>
+            </a:r>
+            <a:br>
+              <a:rPr sz="1200" b="0" i="0" u="none">
+                <a:solidFill>
+                  <a:srgbClr val="080808"/>
+                </a:solidFill>
+                <a:latin typeface="Arial"/>
+                <a:ea typeface="Arial"/>
+                <a:cs typeface="Arial"/>
+              </a:rPr>
+            </a:br>
+            <a:r>
+              <a:rPr sz="1200" b="0" i="0" u="none">
+                <a:solidFill>
+                  <a:srgbClr val="080808"/>
+                </a:solidFill>
+                <a:latin typeface="Arial"/>
+                <a:ea typeface="Arial"/>
+                <a:cs typeface="Arial"/>
+              </a:rPr>
+              <a:t>  </a:t>
+            </a:r>
+            <a:r>
+              <a:rPr sz="1200" b="0" i="0" u="none">
+                <a:solidFill>
+                  <a:srgbClr val="0033B3"/>
+                </a:solidFill>
+                <a:latin typeface="Arial"/>
+                <a:ea typeface="Arial"/>
+                <a:cs typeface="Arial"/>
+              </a:rPr>
+              <a:t>  - </a:t>
+            </a:r>
+            <a:r>
+              <a:rPr sz="1200" b="0" i="0" u="none">
+                <a:solidFill>
+                  <a:srgbClr val="080808"/>
+                </a:solidFill>
+                <a:latin typeface="Arial"/>
+                <a:ea typeface="Arial"/>
+                <a:cs typeface="Arial"/>
+              </a:rPr>
+              <a:t>количество рекомендуемых переходов с тарифа «C» на «A»: 1</a:t>
+            </a:r>
+            <a:endParaRPr sz="1200" b="0" i="0" u="none">
+              <a:solidFill>
+                <a:srgbClr val="080808"/>
+              </a:solidFill>
+              <a:latin typeface="Arial"/>
+              <a:ea typeface="Arial"/>
+              <a:cs typeface="Arial"/>
+            </a:endParaRPr>
+          </a:p>
+          <a:p>
+            <a:pPr>
+              <a:defRPr/>
+            </a:pPr>
+            <a:endParaRPr/>
+          </a:p>
+          <a:p>
+            <a:pPr>
+              <a:defRPr/>
+            </a:pPr>
+            <a:endParaRPr/>
           </a:p>
         </p:txBody>
       </p:sp>
@@ -4526,6 +5027,53 @@
           </a:p>
         </p:txBody>
       </p:sp>
+      <p:sp>
+        <p:nvSpPr>
+          <p:cNvPr id="1288153406" name="" hidden="0"/>
+          <p:cNvSpPr/>
+          <p:nvPr isPhoto="0" userDrawn="0"/>
+        </p:nvSpPr>
+        <p:spPr bwMode="auto">
+          <a:xfrm flipH="0" flipV="0">
+            <a:off x="6223457" y="4655340"/>
+            <a:ext cx="125021" cy="365795"/>
+          </a:xfrm>
+        </p:spPr>
+        <p:txBody>
+          <a:bodyPr rot="0" spcFirstLastPara="0" vertOverflow="overflow" horzOverflow="clip" vert="horz" wrap="square" lIns="91440" tIns="45720" rIns="91440" bIns="45720" numCol="1" spcCol="0" rtlCol="0" fromWordArt="0" anchor="t" anchorCtr="0" forceAA="0" upright="0" compatLnSpc="1">
+            <a:prstTxWarp prst="textNoShape"/>
+            <a:spAutoFit/>
+          </a:bodyPr>
+          <a:p>
+            <a:pPr>
+              <a:defRPr/>
+            </a:pPr>
+            <a:endParaRPr/>
+          </a:p>
+        </p:txBody>
+      </p:sp>
+      <p:pic>
+        <p:nvPicPr>
+          <p:cNvPr id="600881292" name="" hidden="0"/>
+          <p:cNvPicPr>
+            <a:picLocks noChangeAspect="1"/>
+          </p:cNvPicPr>
+          <p:nvPr isPhoto="0" userDrawn="0"/>
+        </p:nvPicPr>
+        <p:blipFill>
+          <a:blip r:embed="rId2"/>
+          <a:stretch/>
+        </p:blipFill>
+        <p:spPr bwMode="auto">
+          <a:xfrm flipH="0" flipV="0">
+            <a:off x="5447766" y="1363500"/>
+            <a:ext cx="6158892" cy="4009339"/>
+          </a:xfrm>
+          <a:prstGeom prst="rect">
+            <a:avLst/>
+          </a:prstGeom>
+        </p:spPr>
+      </p:pic>
     </p:spTree>
   </p:cSld>
   <p:clrMapOvr>
@@ -4627,7 +5175,7 @@
         <p:spPr bwMode="auto">
           <a:xfrm>
             <a:off x="432400" y="298167"/>
-            <a:ext cx="9901378" cy="274355"/>
+            <a:ext cx="9901377" cy="274355"/>
           </a:xfrm>
           <a:prstGeom prst="rect">
             <a:avLst/>
@@ -4920,9 +5468,34 @@
           </a:p>
         </p:txBody>
       </p:sp>
+      <p:sp>
+        <p:nvSpPr>
+          <p:cNvPr id="201807836" name="" hidden="0"/>
+          <p:cNvSpPr/>
+          <p:nvPr isPhoto="0" userDrawn="0"/>
+        </p:nvSpPr>
+        <p:spPr bwMode="auto">
+          <a:xfrm flipH="0" flipV="0">
+            <a:off x="7304982" y="3558206"/>
+            <a:ext cx="185950" cy="365795"/>
+          </a:xfrm>
+        </p:spPr>
+        <p:txBody>
+          <a:bodyPr rot="0" spcFirstLastPara="0" vertOverflow="overflow" horzOverflow="clip" vert="horz" wrap="square" lIns="91440" tIns="45720" rIns="91440" bIns="45720" numCol="1" spcCol="0" rtlCol="0" fromWordArt="0" anchor="t" anchorCtr="0" forceAA="0" upright="0" compatLnSpc="1">
+            <a:prstTxWarp prst="textNoShape"/>
+            <a:spAutoFit/>
+          </a:bodyPr>
+          <a:p>
+            <a:pPr>
+              <a:defRPr/>
+            </a:pPr>
+            <a:endParaRPr/>
+          </a:p>
+        </p:txBody>
+      </p:sp>
       <p:pic>
         <p:nvPicPr>
-          <p:cNvPr id="1352528804" name="" hidden="0"/>
+          <p:cNvPr id="1971172403" name="" hidden="0"/>
           <p:cNvPicPr>
             <a:picLocks noChangeAspect="1"/>
           </p:cNvPicPr>
@@ -4934,8 +5507,8 @@
         </p:blipFill>
         <p:spPr bwMode="auto">
           <a:xfrm flipH="0" flipV="0">
-            <a:off x="2322087" y="1100460"/>
-            <a:ext cx="8082378" cy="5428325"/>
+            <a:off x="2470048" y="1118186"/>
+            <a:ext cx="7619999" cy="5272781"/>
           </a:xfrm>
           <a:prstGeom prst="rect">
             <a:avLst/>
@@ -5336,9 +5909,59 @@
           </a:p>
         </p:txBody>
       </p:sp>
+      <p:sp>
+        <p:nvSpPr>
+          <p:cNvPr id="4707466" name="" hidden="0"/>
+          <p:cNvSpPr/>
+          <p:nvPr isPhoto="0" userDrawn="0"/>
+        </p:nvSpPr>
+        <p:spPr bwMode="auto">
+          <a:xfrm flipH="0" flipV="0">
+            <a:off x="8507881" y="6981947"/>
+            <a:ext cx="306279" cy="365795"/>
+          </a:xfrm>
+        </p:spPr>
+        <p:txBody>
+          <a:bodyPr rot="0" spcFirstLastPara="0" vertOverflow="overflow" horzOverflow="clip" vert="horz" wrap="square" lIns="91440" tIns="45720" rIns="91440" bIns="45720" numCol="1" spcCol="0" rtlCol="0" fromWordArt="0" anchor="t" anchorCtr="0" forceAA="0" upright="0" compatLnSpc="1">
+            <a:prstTxWarp prst="textNoShape"/>
+            <a:spAutoFit/>
+          </a:bodyPr>
+          <a:p>
+            <a:pPr>
+              <a:defRPr/>
+            </a:pPr>
+            <a:endParaRPr/>
+          </a:p>
+        </p:txBody>
+      </p:sp>
+      <p:sp>
+        <p:nvSpPr>
+          <p:cNvPr id="442309146" name="" hidden="0"/>
+          <p:cNvSpPr/>
+          <p:nvPr isPhoto="0" userDrawn="0"/>
+        </p:nvSpPr>
+        <p:spPr bwMode="auto">
+          <a:xfrm flipH="0" flipV="0">
+            <a:off x="6267435" y="4628228"/>
+            <a:ext cx="131250" cy="365795"/>
+          </a:xfrm>
+        </p:spPr>
+        <p:txBody>
+          <a:bodyPr rot="0" spcFirstLastPara="0" vertOverflow="overflow" horzOverflow="clip" vert="horz" wrap="square" lIns="91440" tIns="45720" rIns="91440" bIns="45720" numCol="1" spcCol="0" rtlCol="0" fromWordArt="0" anchor="t" anchorCtr="0" forceAA="0" upright="0" compatLnSpc="1">
+            <a:prstTxWarp prst="textNoShape"/>
+            <a:spAutoFit/>
+          </a:bodyPr>
+          <a:p>
+            <a:pPr>
+              <a:defRPr/>
+            </a:pPr>
+            <a:endParaRPr/>
+          </a:p>
+        </p:txBody>
+      </p:sp>
       <p:pic>
         <p:nvPicPr>
-          <p:cNvPr id="475325704" name="" hidden="0"/>
+          <p:cNvPr id="453681604" name="" hidden="0"/>
           <p:cNvPicPr>
             <a:picLocks noChangeAspect="1"/>
           </p:cNvPicPr>
@@ -5350,8 +5973,8 @@
         </p:blipFill>
         <p:spPr bwMode="auto">
           <a:xfrm flipH="0" flipV="0">
-            <a:off x="1700370" y="1049310"/>
-            <a:ext cx="8791257" cy="2529499"/>
+            <a:off x="298875" y="1336388"/>
+            <a:ext cx="5589590" cy="3291840"/>
           </a:xfrm>
           <a:prstGeom prst="rect">
             <a:avLst/>
@@ -5360,14 +5983,14 @@
       </p:pic>
       <p:sp>
         <p:nvSpPr>
-          <p:cNvPr id="4707466" name="" hidden="0"/>
+          <p:cNvPr id="954942882" name="" hidden="0"/>
           <p:cNvSpPr/>
           <p:nvPr isPhoto="0" userDrawn="0"/>
         </p:nvSpPr>
         <p:spPr bwMode="auto">
           <a:xfrm flipH="0" flipV="0">
-            <a:off x="8507881" y="6981947"/>
-            <a:ext cx="306279" cy="365795"/>
+            <a:off x="12064577" y="4882422"/>
+            <a:ext cx="130102" cy="365795"/>
           </a:xfrm>
         </p:spPr>
         <p:txBody>
@@ -5385,7 +6008,7 @@
       </p:sp>
       <p:pic>
         <p:nvPicPr>
-          <p:cNvPr id="1699531954" name="" hidden="0"/>
+          <p:cNvPr id="1941165541" name="" hidden="0"/>
           <p:cNvPicPr>
             <a:picLocks noChangeAspect="1"/>
           </p:cNvPicPr>
@@ -5397,14 +6020,59 @@
         </p:blipFill>
         <p:spPr bwMode="auto">
           <a:xfrm flipH="0" flipV="0">
-            <a:off x="1700370" y="3708276"/>
-            <a:ext cx="8791257" cy="2902534"/>
+            <a:off x="6096017" y="1336388"/>
+            <a:ext cx="5510641" cy="3187658"/>
           </a:xfrm>
           <a:prstGeom prst="rect">
             <a:avLst/>
           </a:prstGeom>
         </p:spPr>
       </p:pic>
+      <p:sp>
+        <p:nvSpPr>
+          <p:cNvPr id="1669118623" name="object 13" hidden="0"/>
+          <p:cNvSpPr txBox="1"/>
+          <p:nvPr isPhoto="0" userDrawn="0"/>
+        </p:nvSpPr>
+        <p:spPr bwMode="auto">
+          <a:xfrm flipH="0" flipV="0">
+            <a:off x="645093" y="4811126"/>
+            <a:ext cx="10961638" cy="469959"/>
+          </a:xfrm>
+          <a:prstGeom prst="rect">
+            <a:avLst/>
+          </a:prstGeom>
+        </p:spPr>
+        <p:txBody>
+          <a:bodyPr vert="horz" wrap="square" lIns="0" tIns="12723" rIns="0" bIns="0" rtlCol="0">
+            <a:spAutoFit/>
+          </a:bodyPr>
+          <a:lstStyle/>
+          <a:p>
+            <a:pPr>
+              <a:defRPr/>
+            </a:pPr>
+            <a:r>
+              <a:rPr sz="1200" b="0" i="0" u="none">
+                <a:solidFill>
+                  <a:srgbClr val="080808"/>
+                </a:solidFill>
+                <a:latin typeface="Arial"/>
+                <a:ea typeface="Arial"/>
+                <a:cs typeface="Arial"/>
+              </a:rPr>
+              <a:t>В случае обслуживания клиентов на рекомендуемых тарифах, среднее значение сэкономленных средств составило бы ~50%.</a:t>
+            </a:r>
+            <a:endParaRPr/>
+          </a:p>
+          <a:p>
+            <a:pPr>
+              <a:defRPr/>
+            </a:pPr>
+            <a:endParaRPr/>
+          </a:p>
+        </p:txBody>
+      </p:sp>
     </p:spTree>
   </p:cSld>
   <p:clrMapOvr>
@@ -5537,8 +6205,8 @@
         </p:nvSpPr>
         <p:spPr bwMode="auto">
           <a:xfrm>
-            <a:off x="432400" y="1049310"/>
-            <a:ext cx="10925777" cy="2339399"/>
+            <a:off x="432399" y="1049310"/>
+            <a:ext cx="10929556" cy="1541839"/>
           </a:xfrm>
           <a:prstGeom prst="rect">
             <a:avLst/>
@@ -5597,7 +6265,7 @@
                 <a:ea typeface="Open Sans"/>
                 <a:cs typeface="Arial"/>
               </a:rPr>
-              <a:t>наблюдается падение выручки компании</a:t>
+              <a:t>статистически значимых изменений в выручке компании не обнаружено </a:t>
             </a:r>
             <a:endParaRPr/>
           </a:p>
@@ -5611,97 +6279,22 @@
               <a:defRPr/>
             </a:pPr>
             <a:r>
+              <a:rPr lang="ru-RU" sz="1600" b="1" i="0" u="none" strike="noStrike" cap="none" spc="0">
+                <a:solidFill>
+                  <a:schemeClr val="tx1"/>
+                </a:solidFill>
+                <a:latin typeface="+mn-lt"/>
+                <a:ea typeface="Open Sans"/>
+                <a:cs typeface="Arial"/>
+              </a:rPr>
+              <a:t>статистически значимых изменений в выручке компании </a:t>
+            </a:r>
+            <a:r>
               <a:rPr lang="ru-RU" sz="1600" b="1">
                 <a:ea typeface="Open Sans"/>
                 <a:cs typeface="Arial"/>
               </a:rPr>
-              <a:t>наблюдается снижение выручки от исходящих вызовов</a:t>
-            </a:r>
-            <a:endParaRPr/>
-          </a:p>
-          <a:p>
-            <a:pPr marL="1212874" marR="5090" lvl="2" indent="-285750">
-              <a:spcBef>
-                <a:spcPts val="130"/>
-              </a:spcBef>
-              <a:buFont typeface="Wingdings"/>
-              <a:buChar char="Ø"/>
-              <a:defRPr/>
-            </a:pPr>
-            <a:r>
-              <a:rPr lang="ru-RU" sz="1600" b="1">
-                <a:ea typeface="Open Sans"/>
-                <a:cs typeface="Arial"/>
-              </a:rPr>
-              <a:t>наблюдается снижение выручки от абонентской платы</a:t>
-            </a:r>
-            <a:endParaRPr/>
-          </a:p>
-          <a:p>
-            <a:pPr marL="755674" marR="5090" lvl="1" indent="-285750">
-              <a:spcBef>
-                <a:spcPts val="130"/>
-              </a:spcBef>
-              <a:buFont typeface="Arial"/>
-              <a:buChar char="•"/>
-              <a:defRPr/>
-            </a:pPr>
-            <a:r>
-              <a:rPr lang="ru-RU" sz="1600" b="1">
-                <a:ea typeface="Open Sans"/>
-                <a:cs typeface="Arial"/>
-              </a:rPr>
-              <a:t>А\</a:t>
-            </a:r>
-            <a:r>
-              <a:rPr lang="en-US" sz="1600" b="1">
-                <a:ea typeface="Open Sans"/>
-                <a:cs typeface="Arial"/>
-              </a:rPr>
-              <a:t>B-</a:t>
-            </a:r>
-            <a:r>
-              <a:rPr lang="ru-RU" sz="1600" b="1">
-                <a:ea typeface="Open Sans"/>
-                <a:cs typeface="Arial"/>
-              </a:rPr>
-              <a:t>тесты показали:</a:t>
-            </a:r>
-            <a:endParaRPr/>
-          </a:p>
-          <a:p>
-            <a:pPr marL="1212874" marR="5090" lvl="2" indent="-285750">
-              <a:spcBef>
-                <a:spcPts val="130"/>
-              </a:spcBef>
-              <a:buFont typeface="Wingdings"/>
-              <a:buChar char="Ø"/>
-              <a:defRPr/>
-            </a:pPr>
-            <a:r>
-              <a:rPr lang="ru-RU" sz="1600" b="1">
-                <a:ea typeface="Open Sans"/>
-                <a:cs typeface="Arial"/>
-              </a:rPr>
-              <a:t>падение выручки компании </a:t>
-            </a:r>
-            <a:endParaRPr/>
-          </a:p>
-          <a:p>
-            <a:pPr marL="1212874" marR="5090" lvl="2" indent="-285750">
-              <a:spcBef>
-                <a:spcPts val="130"/>
-              </a:spcBef>
-              <a:buFont typeface="Wingdings"/>
-              <a:buChar char="Ø"/>
-              <a:defRPr/>
-            </a:pPr>
-            <a:r>
-              <a:rPr lang="ru-RU" sz="1600" b="1">
-                <a:ea typeface="Open Sans"/>
-                <a:cs typeface="Arial"/>
-              </a:rPr>
-              <a:t>отсутствие статистической значимости снижения выручки компании от исходящих вызовов</a:t>
+              <a:t>от исходящих вызовов не обнаружено</a:t>
             </a:r>
             <a:endParaRPr/>
           </a:p>
